--- a/AdaConv.pptx
+++ b/AdaConv.pptx
@@ -9,6 +9,9 @@
     <p:sldId id="257" r:id="rId3"/>
     <p:sldId id="258" r:id="rId4"/>
     <p:sldId id="259" r:id="rId5"/>
+    <p:sldId id="260" r:id="rId6"/>
+    <p:sldId id="261" r:id="rId7"/>
+    <p:sldId id="262" r:id="rId8"/>
   </p:sldIdLst>
   <p:sldSz cx="12192000" cy="6858000"/>
   <p:notesSz cx="6858000" cy="9144000"/>
@@ -246,7 +249,7 @@
           <a:p>
             <a:fld id="{7CD97ED3-60F4-46B6-9CFF-260A48CB2AFD}" type="datetimeFigureOut">
               <a:rPr lang="zh-CN" altLang="en-US" smtClean="0"/>
-              <a:t>2018-08-08</a:t>
+              <a:t>2018-08-09</a:t>
             </a:fld>
             <a:endParaRPr lang="zh-CN" altLang="en-US"/>
           </a:p>
@@ -416,7 +419,7 @@
           <a:p>
             <a:fld id="{7CD97ED3-60F4-46B6-9CFF-260A48CB2AFD}" type="datetimeFigureOut">
               <a:rPr lang="zh-CN" altLang="en-US" smtClean="0"/>
-              <a:t>2018-08-08</a:t>
+              <a:t>2018-08-09</a:t>
             </a:fld>
             <a:endParaRPr lang="zh-CN" altLang="en-US"/>
           </a:p>
@@ -596,7 +599,7 @@
           <a:p>
             <a:fld id="{7CD97ED3-60F4-46B6-9CFF-260A48CB2AFD}" type="datetimeFigureOut">
               <a:rPr lang="zh-CN" altLang="en-US" smtClean="0"/>
-              <a:t>2018-08-08</a:t>
+              <a:t>2018-08-09</a:t>
             </a:fld>
             <a:endParaRPr lang="zh-CN" altLang="en-US"/>
           </a:p>
@@ -766,7 +769,7 @@
           <a:p>
             <a:fld id="{7CD97ED3-60F4-46B6-9CFF-260A48CB2AFD}" type="datetimeFigureOut">
               <a:rPr lang="zh-CN" altLang="en-US" smtClean="0"/>
-              <a:t>2018-08-08</a:t>
+              <a:t>2018-08-09</a:t>
             </a:fld>
             <a:endParaRPr lang="zh-CN" altLang="en-US"/>
           </a:p>
@@ -1012,7 +1015,7 @@
           <a:p>
             <a:fld id="{7CD97ED3-60F4-46B6-9CFF-260A48CB2AFD}" type="datetimeFigureOut">
               <a:rPr lang="zh-CN" altLang="en-US" smtClean="0"/>
-              <a:t>2018-08-08</a:t>
+              <a:t>2018-08-09</a:t>
             </a:fld>
             <a:endParaRPr lang="zh-CN" altLang="en-US"/>
           </a:p>
@@ -1244,7 +1247,7 @@
           <a:p>
             <a:fld id="{7CD97ED3-60F4-46B6-9CFF-260A48CB2AFD}" type="datetimeFigureOut">
               <a:rPr lang="zh-CN" altLang="en-US" smtClean="0"/>
-              <a:t>2018-08-08</a:t>
+              <a:t>2018-08-09</a:t>
             </a:fld>
             <a:endParaRPr lang="zh-CN" altLang="en-US"/>
           </a:p>
@@ -1611,7 +1614,7 @@
           <a:p>
             <a:fld id="{7CD97ED3-60F4-46B6-9CFF-260A48CB2AFD}" type="datetimeFigureOut">
               <a:rPr lang="zh-CN" altLang="en-US" smtClean="0"/>
-              <a:t>2018-08-08</a:t>
+              <a:t>2018-08-09</a:t>
             </a:fld>
             <a:endParaRPr lang="zh-CN" altLang="en-US"/>
           </a:p>
@@ -1729,7 +1732,7 @@
           <a:p>
             <a:fld id="{7CD97ED3-60F4-46B6-9CFF-260A48CB2AFD}" type="datetimeFigureOut">
               <a:rPr lang="zh-CN" altLang="en-US" smtClean="0"/>
-              <a:t>2018-08-08</a:t>
+              <a:t>2018-08-09</a:t>
             </a:fld>
             <a:endParaRPr lang="zh-CN" altLang="en-US"/>
           </a:p>
@@ -1824,7 +1827,7 @@
           <a:p>
             <a:fld id="{7CD97ED3-60F4-46B6-9CFF-260A48CB2AFD}" type="datetimeFigureOut">
               <a:rPr lang="zh-CN" altLang="en-US" smtClean="0"/>
-              <a:t>2018-08-08</a:t>
+              <a:t>2018-08-09</a:t>
             </a:fld>
             <a:endParaRPr lang="zh-CN" altLang="en-US"/>
           </a:p>
@@ -2101,7 +2104,7 @@
           <a:p>
             <a:fld id="{7CD97ED3-60F4-46B6-9CFF-260A48CB2AFD}" type="datetimeFigureOut">
               <a:rPr lang="zh-CN" altLang="en-US" smtClean="0"/>
-              <a:t>2018-08-08</a:t>
+              <a:t>2018-08-09</a:t>
             </a:fld>
             <a:endParaRPr lang="zh-CN" altLang="en-US"/>
           </a:p>
@@ -2354,7 +2357,7 @@
           <a:p>
             <a:fld id="{7CD97ED3-60F4-46B6-9CFF-260A48CB2AFD}" type="datetimeFigureOut">
               <a:rPr lang="zh-CN" altLang="en-US" smtClean="0"/>
-              <a:t>2018-08-08</a:t>
+              <a:t>2018-08-09</a:t>
             </a:fld>
             <a:endParaRPr lang="zh-CN" altLang="en-US"/>
           </a:p>
@@ -2567,7 +2570,7 @@
           <a:p>
             <a:fld id="{7CD97ED3-60F4-46B6-9CFF-260A48CB2AFD}" type="datetimeFigureOut">
               <a:rPr lang="zh-CN" altLang="en-US" smtClean="0"/>
-              <a:t>2018-08-08</a:t>
+              <a:t>2018-08-09</a:t>
             </a:fld>
             <a:endParaRPr lang="zh-CN" altLang="en-US"/>
           </a:p>
@@ -4373,6 +4376,980 @@
 </p:sld>
 </file>
 
+<file path=ppt/slides/slide5.xml><?xml version="1.0" encoding="utf-8"?>
+<p:sld xmlns:a="http://schemas.openxmlformats.org/drawingml/2006/main" xmlns:r="http://schemas.openxmlformats.org/officeDocument/2006/relationships" xmlns:p="http://schemas.openxmlformats.org/presentationml/2006/main">
+  <p:cSld>
+    <p:spTree>
+      <p:nvGrpSpPr>
+        <p:cNvPr id="1" name=""/>
+        <p:cNvGrpSpPr/>
+        <p:nvPr/>
+      </p:nvGrpSpPr>
+      <p:grpSpPr>
+        <a:xfrm>
+          <a:off x="0" y="0"/>
+          <a:ext cx="0" cy="0"/>
+          <a:chOff x="0" y="0"/>
+          <a:chExt cx="0" cy="0"/>
+        </a:xfrm>
+      </p:grpSpPr>
+      <p:sp>
+        <p:nvSpPr>
+          <p:cNvPr id="4" name="矩形 3"/>
+          <p:cNvSpPr/>
+          <p:nvPr/>
+        </p:nvSpPr>
+        <p:spPr>
+          <a:xfrm>
+            <a:off x="0" y="144855"/>
+            <a:ext cx="8555525" cy="1186004"/>
+          </a:xfrm>
+          <a:prstGeom prst="rect">
+            <a:avLst/>
+          </a:prstGeom>
+          <a:solidFill>
+            <a:schemeClr val="bg1">
+              <a:lumMod val="85000"/>
+            </a:schemeClr>
+          </a:solidFill>
+          <a:ln>
+            <a:noFill/>
+          </a:ln>
+        </p:spPr>
+        <p:style>
+          <a:lnRef idx="2">
+            <a:schemeClr val="accent1">
+              <a:shade val="50000"/>
+            </a:schemeClr>
+          </a:lnRef>
+          <a:fillRef idx="1">
+            <a:schemeClr val="accent1"/>
+          </a:fillRef>
+          <a:effectRef idx="0">
+            <a:schemeClr val="accent1"/>
+          </a:effectRef>
+          <a:fontRef idx="minor">
+            <a:schemeClr val="lt1"/>
+          </a:fontRef>
+        </p:style>
+        <p:txBody>
+          <a:bodyPr rtlCol="0" anchor="ctr"/>
+          <a:lstStyle/>
+          <a:p>
+            <a:pPr algn="ctr"/>
+            <a:endParaRPr lang="zh-CN" altLang="en-US"/>
+          </a:p>
+        </p:txBody>
+      </p:sp>
+      <p:sp>
+        <p:nvSpPr>
+          <p:cNvPr id="5" name="文本框 4"/>
+          <p:cNvSpPr txBox="1"/>
+          <p:nvPr/>
+        </p:nvSpPr>
+        <p:spPr>
+          <a:xfrm>
+            <a:off x="320090" y="226336"/>
+            <a:ext cx="8054366" cy="954107"/>
+          </a:xfrm>
+          <a:prstGeom prst="rect">
+            <a:avLst/>
+          </a:prstGeom>
+          <a:noFill/>
+        </p:spPr>
+        <p:txBody>
+          <a:bodyPr wrap="square" rtlCol="0">
+            <a:spAutoFit/>
+          </a:bodyPr>
+          <a:lstStyle/>
+          <a:p>
+            <a:r>
+              <a:rPr lang="zh-CN" altLang="en-US" sz="3200" b="1" dirty="0" smtClean="0">
+                <a:solidFill>
+                  <a:schemeClr val="accent2"/>
+                </a:solidFill>
+                <a:latin typeface="微软雅黑" panose="020B0503020204020204" pitchFamily="34" charset="-122"/>
+                <a:ea typeface="微软雅黑" panose="020B0503020204020204" pitchFamily="34" charset="-122"/>
+              </a:rPr>
+              <a:t>基于</a:t>
+            </a:r>
+            <a:r>
+              <a:rPr lang="en-US" altLang="zh-CN" sz="3200" b="1" dirty="0" err="1" smtClean="0">
+                <a:solidFill>
+                  <a:schemeClr val="accent2">
+                    <a:lumMod val="50000"/>
+                  </a:schemeClr>
+                </a:solidFill>
+                <a:latin typeface="微软雅黑" panose="020B0503020204020204" pitchFamily="34" charset="-122"/>
+                <a:ea typeface="微软雅黑" panose="020B0503020204020204" pitchFamily="34" charset="-122"/>
+              </a:rPr>
+              <a:t>SpeConv</a:t>
+            </a:r>
+            <a:r>
+              <a:rPr lang="zh-CN" altLang="en-US" sz="3200" b="1" dirty="0" smtClean="0">
+                <a:solidFill>
+                  <a:schemeClr val="accent2"/>
+                </a:solidFill>
+                <a:latin typeface="微软雅黑" panose="020B0503020204020204" pitchFamily="34" charset="-122"/>
+                <a:ea typeface="微软雅黑" panose="020B0503020204020204" pitchFamily="34" charset="-122"/>
+              </a:rPr>
+              <a:t>深度学习的视频补帧 插帧</a:t>
+            </a:r>
+            <a:endParaRPr lang="en-US" altLang="zh-CN" sz="3200" b="1" dirty="0" smtClean="0">
+              <a:solidFill>
+                <a:schemeClr val="accent2"/>
+              </a:solidFill>
+              <a:latin typeface="微软雅黑" panose="020B0503020204020204" pitchFamily="34" charset="-122"/>
+              <a:ea typeface="微软雅黑" panose="020B0503020204020204" pitchFamily="34" charset="-122"/>
+            </a:endParaRPr>
+          </a:p>
+          <a:p>
+            <a:r>
+              <a:rPr lang="zh-CN" altLang="en-US" sz="2400" b="1" dirty="0" smtClean="0">
+                <a:solidFill>
+                  <a:srgbClr val="FF0000"/>
+                </a:solidFill>
+                <a:latin typeface="微软雅黑" panose="020B0503020204020204" pitchFamily="34" charset="-122"/>
+                <a:ea typeface="微软雅黑" panose="020B0503020204020204" pitchFamily="34" charset="-122"/>
+              </a:rPr>
+              <a:t>论文</a:t>
+            </a:r>
+            <a:r>
+              <a:rPr lang="en-US" altLang="zh-CN" sz="2400" b="1" dirty="0" smtClean="0">
+                <a:solidFill>
+                  <a:srgbClr val="FF0000"/>
+                </a:solidFill>
+                <a:latin typeface="微软雅黑" panose="020B0503020204020204" pitchFamily="34" charset="-122"/>
+                <a:ea typeface="微软雅黑" panose="020B0503020204020204" pitchFamily="34" charset="-122"/>
+              </a:rPr>
+              <a:t>+</a:t>
+            </a:r>
+            <a:r>
+              <a:rPr lang="zh-CN" altLang="en-US" sz="2400" b="1" dirty="0" smtClean="0">
+                <a:solidFill>
+                  <a:srgbClr val="FF0000"/>
+                </a:solidFill>
+                <a:latin typeface="微软雅黑" panose="020B0503020204020204" pitchFamily="34" charset="-122"/>
+                <a:ea typeface="微软雅黑" panose="020B0503020204020204" pitchFamily="34" charset="-122"/>
+              </a:rPr>
+              <a:t>代码</a:t>
+            </a:r>
+            <a:r>
+              <a:rPr lang="en-US" altLang="zh-CN" sz="2400" b="1" dirty="0" smtClean="0">
+                <a:solidFill>
+                  <a:srgbClr val="FF0000"/>
+                </a:solidFill>
+                <a:latin typeface="微软雅黑" panose="020B0503020204020204" pitchFamily="34" charset="-122"/>
+                <a:ea typeface="微软雅黑" panose="020B0503020204020204" pitchFamily="34" charset="-122"/>
+              </a:rPr>
+              <a:t>+</a:t>
+            </a:r>
+            <a:r>
+              <a:rPr lang="zh-CN" altLang="en-US" sz="2400" b="1" dirty="0" smtClean="0">
+                <a:solidFill>
+                  <a:srgbClr val="FF0000"/>
+                </a:solidFill>
+                <a:latin typeface="微软雅黑" panose="020B0503020204020204" pitchFamily="34" charset="-122"/>
+                <a:ea typeface="微软雅黑" panose="020B0503020204020204" pitchFamily="34" charset="-122"/>
+              </a:rPr>
+              <a:t>实践</a:t>
+            </a:r>
+            <a:endParaRPr lang="zh-CN" altLang="en-US" sz="2400" b="1" dirty="0">
+              <a:solidFill>
+                <a:srgbClr val="FF0000"/>
+              </a:solidFill>
+              <a:latin typeface="微软雅黑" panose="020B0503020204020204" pitchFamily="34" charset="-122"/>
+              <a:ea typeface="微软雅黑" panose="020B0503020204020204" pitchFamily="34" charset="-122"/>
+            </a:endParaRPr>
+          </a:p>
+        </p:txBody>
+      </p:sp>
+      <p:sp>
+        <p:nvSpPr>
+          <p:cNvPr id="6" name="文本框 5"/>
+          <p:cNvSpPr txBox="1"/>
+          <p:nvPr/>
+        </p:nvSpPr>
+        <p:spPr>
+          <a:xfrm>
+            <a:off x="425513" y="1801640"/>
+            <a:ext cx="8066637" cy="4154984"/>
+          </a:xfrm>
+          <a:prstGeom prst="rect">
+            <a:avLst/>
+          </a:prstGeom>
+          <a:noFill/>
+        </p:spPr>
+        <p:txBody>
+          <a:bodyPr wrap="square" rtlCol="0">
+            <a:spAutoFit/>
+          </a:bodyPr>
+          <a:lstStyle/>
+          <a:p>
+            <a:r>
+              <a:rPr lang="zh-CN" altLang="en-US" sz="2400" dirty="0" smtClean="0">
+                <a:latin typeface="微软雅黑" panose="020B0503020204020204" pitchFamily="34" charset="-122"/>
+                <a:ea typeface="微软雅黑" panose="020B0503020204020204" pitchFamily="34" charset="-122"/>
+              </a:rPr>
+              <a:t>五、</a:t>
+            </a:r>
+            <a:r>
+              <a:rPr lang="en-US" altLang="zh-CN" sz="2400" dirty="0" err="1" smtClean="0">
+                <a:latin typeface="微软雅黑" panose="020B0503020204020204" pitchFamily="34" charset="-122"/>
+                <a:ea typeface="微软雅黑" panose="020B0503020204020204" pitchFamily="34" charset="-122"/>
+              </a:rPr>
+              <a:t>aws</a:t>
+            </a:r>
+            <a:r>
+              <a:rPr lang="zh-CN" altLang="en-US" sz="2400" dirty="0" smtClean="0">
+                <a:latin typeface="微软雅黑" panose="020B0503020204020204" pitchFamily="34" charset="-122"/>
+                <a:ea typeface="微软雅黑" panose="020B0503020204020204" pitchFamily="34" charset="-122"/>
+              </a:rPr>
+              <a:t>云端</a:t>
+            </a:r>
+            <a:endParaRPr lang="en-US" altLang="zh-CN" sz="2400" dirty="0" smtClean="0">
+              <a:latin typeface="微软雅黑" panose="020B0503020204020204" pitchFamily="34" charset="-122"/>
+              <a:ea typeface="微软雅黑" panose="020B0503020204020204" pitchFamily="34" charset="-122"/>
+            </a:endParaRPr>
+          </a:p>
+          <a:p>
+            <a:endParaRPr lang="en-US" altLang="zh-CN" sz="2400" dirty="0">
+              <a:latin typeface="微软雅黑" panose="020B0503020204020204" pitchFamily="34" charset="-122"/>
+              <a:ea typeface="微软雅黑" panose="020B0503020204020204" pitchFamily="34" charset="-122"/>
+            </a:endParaRPr>
+          </a:p>
+          <a:p>
+            <a:r>
+              <a:rPr lang="en-US" altLang="zh-CN" sz="2400" dirty="0" smtClean="0">
+                <a:latin typeface="微软雅黑" panose="020B0503020204020204" pitchFamily="34" charset="-122"/>
+                <a:ea typeface="微软雅黑" panose="020B0503020204020204" pitchFamily="34" charset="-122"/>
+              </a:rPr>
+              <a:t>· </a:t>
+            </a:r>
+            <a:r>
+              <a:rPr lang="zh-CN" altLang="en-US" sz="2400" dirty="0" smtClean="0">
+                <a:latin typeface="微软雅黑" panose="020B0503020204020204" pitchFamily="34" charset="-122"/>
+                <a:ea typeface="微软雅黑" panose="020B0503020204020204" pitchFamily="34" charset="-122"/>
+              </a:rPr>
+              <a:t>注册</a:t>
+            </a:r>
+            <a:r>
+              <a:rPr lang="en-US" altLang="zh-CN" sz="2400" dirty="0" err="1" smtClean="0">
+                <a:latin typeface="微软雅黑" panose="020B0503020204020204" pitchFamily="34" charset="-122"/>
+                <a:ea typeface="微软雅黑" panose="020B0503020204020204" pitchFamily="34" charset="-122"/>
+              </a:rPr>
+              <a:t>aws</a:t>
+            </a:r>
+            <a:r>
+              <a:rPr lang="zh-CN" altLang="en-US" sz="2400" dirty="0" smtClean="0">
+                <a:latin typeface="微软雅黑" panose="020B0503020204020204" pitchFamily="34" charset="-122"/>
+                <a:ea typeface="微软雅黑" panose="020B0503020204020204" pitchFamily="34" charset="-122"/>
+              </a:rPr>
+              <a:t>账号</a:t>
+            </a:r>
+            <a:endParaRPr lang="en-US" altLang="zh-CN" sz="2400" dirty="0" smtClean="0">
+              <a:latin typeface="微软雅黑" panose="020B0503020204020204" pitchFamily="34" charset="-122"/>
+              <a:ea typeface="微软雅黑" panose="020B0503020204020204" pitchFamily="34" charset="-122"/>
+            </a:endParaRPr>
+          </a:p>
+          <a:p>
+            <a:r>
+              <a:rPr lang="en-US" altLang="zh-CN" sz="2400" dirty="0" smtClean="0">
+                <a:latin typeface="微软雅黑" panose="020B0503020204020204" pitchFamily="34" charset="-122"/>
+                <a:ea typeface="微软雅黑" panose="020B0503020204020204" pitchFamily="34" charset="-122"/>
+              </a:rPr>
+              <a:t>· </a:t>
+            </a:r>
+            <a:r>
+              <a:rPr lang="zh-CN" altLang="en-US" sz="2400" dirty="0" smtClean="0">
+                <a:latin typeface="微软雅黑" panose="020B0503020204020204" pitchFamily="34" charset="-122"/>
+                <a:ea typeface="微软雅黑" panose="020B0503020204020204" pitchFamily="34" charset="-122"/>
+              </a:rPr>
+              <a:t>绑定信用卡 （某宝礼品卡）</a:t>
+            </a:r>
+            <a:endParaRPr lang="en-US" altLang="zh-CN" sz="2400" dirty="0" smtClean="0">
+              <a:latin typeface="微软雅黑" panose="020B0503020204020204" pitchFamily="34" charset="-122"/>
+              <a:ea typeface="微软雅黑" panose="020B0503020204020204" pitchFamily="34" charset="-122"/>
+            </a:endParaRPr>
+          </a:p>
+          <a:p>
+            <a:r>
+              <a:rPr lang="en-US" altLang="zh-CN" sz="2400" dirty="0" smtClean="0">
+                <a:latin typeface="微软雅黑" panose="020B0503020204020204" pitchFamily="34" charset="-122"/>
+                <a:ea typeface="微软雅黑" panose="020B0503020204020204" pitchFamily="34" charset="-122"/>
+              </a:rPr>
+              <a:t>· </a:t>
+            </a:r>
+            <a:r>
+              <a:rPr lang="zh-CN" altLang="en-US" sz="2400" dirty="0" smtClean="0">
+                <a:latin typeface="微软雅黑" panose="020B0503020204020204" pitchFamily="34" charset="-122"/>
+                <a:ea typeface="微软雅黑" panose="020B0503020204020204" pitchFamily="34" charset="-122"/>
+              </a:rPr>
+              <a:t>获得一个免费</a:t>
+            </a:r>
+            <a:r>
+              <a:rPr lang="en-US" altLang="zh-CN" sz="2400" dirty="0" smtClean="0">
+                <a:latin typeface="微软雅黑" panose="020B0503020204020204" pitchFamily="34" charset="-122"/>
+                <a:ea typeface="微软雅黑" panose="020B0503020204020204" pitchFamily="34" charset="-122"/>
+              </a:rPr>
+              <a:t>ec2</a:t>
+            </a:r>
+            <a:r>
+              <a:rPr lang="zh-CN" altLang="en-US" sz="2400" dirty="0" smtClean="0">
+                <a:latin typeface="微软雅黑" panose="020B0503020204020204" pitchFamily="34" charset="-122"/>
+                <a:ea typeface="微软雅黑" panose="020B0503020204020204" pitchFamily="34" charset="-122"/>
+              </a:rPr>
+              <a:t>可跑一些小玩意儿</a:t>
+            </a:r>
+            <a:endParaRPr lang="en-US" altLang="zh-CN" sz="2400" dirty="0" smtClean="0">
+              <a:latin typeface="微软雅黑" panose="020B0503020204020204" pitchFamily="34" charset="-122"/>
+              <a:ea typeface="微软雅黑" panose="020B0503020204020204" pitchFamily="34" charset="-122"/>
+            </a:endParaRPr>
+          </a:p>
+          <a:p>
+            <a:r>
+              <a:rPr lang="en-US" altLang="zh-CN" sz="2400" dirty="0" smtClean="0">
+                <a:latin typeface="微软雅黑" panose="020B0503020204020204" pitchFamily="34" charset="-122"/>
+                <a:ea typeface="微软雅黑" panose="020B0503020204020204" pitchFamily="34" charset="-122"/>
+              </a:rPr>
+              <a:t>· </a:t>
+            </a:r>
+            <a:r>
+              <a:rPr lang="zh-CN" altLang="en-US" sz="2400" dirty="0" smtClean="0">
+                <a:latin typeface="微软雅黑" panose="020B0503020204020204" pitchFamily="34" charset="-122"/>
+                <a:ea typeface="微软雅黑" panose="020B0503020204020204" pitchFamily="34" charset="-122"/>
+              </a:rPr>
+              <a:t>根据官网教程登陆</a:t>
+            </a:r>
+            <a:r>
+              <a:rPr lang="en-US" altLang="zh-CN" sz="2400" dirty="0" smtClean="0">
+                <a:latin typeface="微软雅黑" panose="020B0503020204020204" pitchFamily="34" charset="-122"/>
+                <a:ea typeface="微软雅黑" panose="020B0503020204020204" pitchFamily="34" charset="-122"/>
+              </a:rPr>
+              <a:t>putty</a:t>
+            </a:r>
+            <a:r>
+              <a:rPr lang="zh-CN" altLang="en-US" sz="2400" dirty="0" smtClean="0">
+                <a:latin typeface="微软雅黑" panose="020B0503020204020204" pitchFamily="34" charset="-122"/>
+                <a:ea typeface="微软雅黑" panose="020B0503020204020204" pitchFamily="34" charset="-122"/>
+              </a:rPr>
+              <a:t>，</a:t>
+            </a:r>
+            <a:r>
+              <a:rPr lang="en-US" altLang="zh-CN" sz="2400" dirty="0" err="1" smtClean="0">
+                <a:latin typeface="微软雅黑" panose="020B0503020204020204" pitchFamily="34" charset="-122"/>
+                <a:ea typeface="微软雅黑" panose="020B0503020204020204" pitchFamily="34" charset="-122"/>
+              </a:rPr>
+              <a:t>winSCP</a:t>
+            </a:r>
+            <a:r>
+              <a:rPr lang="zh-CN" altLang="en-US" sz="2400" dirty="0" smtClean="0">
+                <a:latin typeface="微软雅黑" panose="020B0503020204020204" pitchFamily="34" charset="-122"/>
+                <a:ea typeface="微软雅黑" panose="020B0503020204020204" pitchFamily="34" charset="-122"/>
+              </a:rPr>
+              <a:t>，熟悉</a:t>
+            </a:r>
+            <a:r>
+              <a:rPr lang="en-US" altLang="zh-CN" sz="2400" dirty="0" err="1" smtClean="0">
+                <a:latin typeface="微软雅黑" panose="020B0503020204020204" pitchFamily="34" charset="-122"/>
+                <a:ea typeface="微软雅黑" panose="020B0503020204020204" pitchFamily="34" charset="-122"/>
+              </a:rPr>
+              <a:t>linux</a:t>
+            </a:r>
+            <a:r>
+              <a:rPr lang="zh-CN" altLang="en-US" sz="2400" dirty="0" smtClean="0">
+                <a:latin typeface="微软雅黑" panose="020B0503020204020204" pitchFamily="34" charset="-122"/>
+                <a:ea typeface="微软雅黑" panose="020B0503020204020204" pitchFamily="34" charset="-122"/>
+              </a:rPr>
+              <a:t>环境</a:t>
+            </a:r>
+            <a:endParaRPr lang="en-US" altLang="zh-CN" sz="2400" dirty="0" smtClean="0">
+              <a:latin typeface="微软雅黑" panose="020B0503020204020204" pitchFamily="34" charset="-122"/>
+              <a:ea typeface="微软雅黑" panose="020B0503020204020204" pitchFamily="34" charset="-122"/>
+            </a:endParaRPr>
+          </a:p>
+          <a:p>
+            <a:endParaRPr lang="en-US" altLang="zh-CN" sz="2400" dirty="0" smtClean="0">
+              <a:latin typeface="微软雅黑" panose="020B0503020204020204" pitchFamily="34" charset="-122"/>
+              <a:ea typeface="微软雅黑" panose="020B0503020204020204" pitchFamily="34" charset="-122"/>
+            </a:endParaRPr>
+          </a:p>
+          <a:p>
+            <a:r>
+              <a:rPr lang="en-US" altLang="zh-CN" sz="2400" dirty="0" smtClean="0">
+                <a:latin typeface="微软雅黑" panose="020B0503020204020204" pitchFamily="34" charset="-122"/>
+                <a:ea typeface="微软雅黑" panose="020B0503020204020204" pitchFamily="34" charset="-122"/>
+              </a:rPr>
+              <a:t>· </a:t>
+            </a:r>
+            <a:r>
+              <a:rPr lang="zh-CN" altLang="en-US" sz="2400" dirty="0" smtClean="0">
+                <a:latin typeface="微软雅黑" panose="020B0503020204020204" pitchFamily="34" charset="-122"/>
+                <a:ea typeface="微软雅黑" panose="020B0503020204020204" pitchFamily="34" charset="-122"/>
+              </a:rPr>
+              <a:t>申请</a:t>
+            </a:r>
+            <a:r>
+              <a:rPr lang="en-US" altLang="zh-CN" sz="2400" dirty="0" smtClean="0">
+                <a:latin typeface="微软雅黑" panose="020B0503020204020204" pitchFamily="34" charset="-122"/>
+                <a:ea typeface="微软雅黑" panose="020B0503020204020204" pitchFamily="34" charset="-122"/>
+              </a:rPr>
+              <a:t>request </a:t>
+            </a:r>
+            <a:r>
+              <a:rPr lang="zh-CN" altLang="en-US" sz="2400" dirty="0" smtClean="0">
+                <a:latin typeface="微软雅黑" panose="020B0503020204020204" pitchFamily="34" charset="-122"/>
+                <a:ea typeface="微软雅黑" panose="020B0503020204020204" pitchFamily="34" charset="-122"/>
+              </a:rPr>
+              <a:t>一台</a:t>
+            </a:r>
+            <a:r>
+              <a:rPr lang="en-US" altLang="zh-CN" sz="2400" dirty="0" smtClean="0">
+                <a:latin typeface="微软雅黑" panose="020B0503020204020204" pitchFamily="34" charset="-122"/>
+                <a:ea typeface="微软雅黑" panose="020B0503020204020204" pitchFamily="34" charset="-122"/>
+              </a:rPr>
+              <a:t>p3.x2large (Tesla P100) </a:t>
+            </a:r>
+          </a:p>
+          <a:p>
+            <a:r>
+              <a:rPr lang="en-US" altLang="zh-CN" sz="2400" dirty="0" smtClean="0">
+                <a:latin typeface="微软雅黑" panose="020B0503020204020204" pitchFamily="34" charset="-122"/>
+                <a:ea typeface="微软雅黑" panose="020B0503020204020204" pitchFamily="34" charset="-122"/>
+              </a:rPr>
+              <a:t>· 2</a:t>
+            </a:r>
+            <a:r>
+              <a:rPr lang="zh-CN" altLang="en-US" sz="2400" dirty="0" smtClean="0">
+                <a:latin typeface="微软雅黑" panose="020B0503020204020204" pitchFamily="34" charset="-122"/>
+                <a:ea typeface="微软雅黑" panose="020B0503020204020204" pitchFamily="34" charset="-122"/>
+              </a:rPr>
+              <a:t>、</a:t>
+            </a:r>
+            <a:r>
+              <a:rPr lang="en-US" altLang="zh-CN" sz="2400" dirty="0" smtClean="0">
+                <a:latin typeface="微软雅黑" panose="020B0503020204020204" pitchFamily="34" charset="-122"/>
+                <a:ea typeface="微软雅黑" panose="020B0503020204020204" pitchFamily="34" charset="-122"/>
+              </a:rPr>
+              <a:t>3</a:t>
+            </a:r>
+            <a:r>
+              <a:rPr lang="zh-CN" altLang="en-US" sz="2400" dirty="0" smtClean="0">
+                <a:latin typeface="微软雅黑" panose="020B0503020204020204" pitchFamily="34" charset="-122"/>
+                <a:ea typeface="微软雅黑" panose="020B0503020204020204" pitchFamily="34" charset="-122"/>
+              </a:rPr>
+              <a:t>天后获得许可，申请</a:t>
+            </a:r>
+            <a:r>
+              <a:rPr lang="en-US" altLang="zh-CN" sz="2400" dirty="0" smtClean="0">
+                <a:latin typeface="微软雅黑" panose="020B0503020204020204" pitchFamily="34" charset="-122"/>
+                <a:ea typeface="微软雅黑" panose="020B0503020204020204" pitchFamily="34" charset="-122"/>
+              </a:rPr>
+              <a:t>p3</a:t>
+            </a:r>
+            <a:r>
+              <a:rPr lang="zh-CN" altLang="en-US" sz="2400" dirty="0" smtClean="0">
+                <a:latin typeface="微软雅黑" panose="020B0503020204020204" pitchFamily="34" charset="-122"/>
+                <a:ea typeface="微软雅黑" panose="020B0503020204020204" pitchFamily="34" charset="-122"/>
+              </a:rPr>
+              <a:t>实例 </a:t>
+            </a:r>
+            <a:r>
+              <a:rPr lang="en-US" altLang="zh-CN" sz="2400" dirty="0">
+                <a:latin typeface="微软雅黑" panose="020B0503020204020204" pitchFamily="34" charset="-122"/>
+                <a:ea typeface="微软雅黑" panose="020B0503020204020204" pitchFamily="34" charset="-122"/>
+              </a:rPr>
+              <a:t>Ubuntu Deep Learning AMI </a:t>
+            </a:r>
+          </a:p>
+          <a:p>
+            <a:endParaRPr lang="en-US" altLang="zh-CN" sz="2400" dirty="0" smtClean="0">
+              <a:latin typeface="微软雅黑" panose="020B0503020204020204" pitchFamily="34" charset="-122"/>
+              <a:ea typeface="微软雅黑" panose="020B0503020204020204" pitchFamily="34" charset="-122"/>
+            </a:endParaRPr>
+          </a:p>
+        </p:txBody>
+      </p:sp>
+    </p:spTree>
+    <p:extLst>
+      <p:ext uri="{BB962C8B-B14F-4D97-AF65-F5344CB8AC3E}">
+        <p14:creationId xmlns:p14="http://schemas.microsoft.com/office/powerpoint/2010/main" val="1259095946"/>
+      </p:ext>
+    </p:extLst>
+  </p:cSld>
+  <p:clrMapOvr>
+    <a:masterClrMapping/>
+  </p:clrMapOvr>
+</p:sld>
+</file>
+
+<file path=ppt/slides/slide6.xml><?xml version="1.0" encoding="utf-8"?>
+<p:sld xmlns:a="http://schemas.openxmlformats.org/drawingml/2006/main" xmlns:r="http://schemas.openxmlformats.org/officeDocument/2006/relationships" xmlns:p="http://schemas.openxmlformats.org/presentationml/2006/main">
+  <p:cSld>
+    <p:spTree>
+      <p:nvGrpSpPr>
+        <p:cNvPr id="1" name=""/>
+        <p:cNvGrpSpPr/>
+        <p:nvPr/>
+      </p:nvGrpSpPr>
+      <p:grpSpPr>
+        <a:xfrm>
+          <a:off x="0" y="0"/>
+          <a:ext cx="0" cy="0"/>
+          <a:chOff x="0" y="0"/>
+          <a:chExt cx="0" cy="0"/>
+        </a:xfrm>
+      </p:grpSpPr>
+      <p:sp>
+        <p:nvSpPr>
+          <p:cNvPr id="4" name="矩形 3"/>
+          <p:cNvSpPr/>
+          <p:nvPr/>
+        </p:nvSpPr>
+        <p:spPr>
+          <a:xfrm>
+            <a:off x="0" y="144855"/>
+            <a:ext cx="8555525" cy="1186004"/>
+          </a:xfrm>
+          <a:prstGeom prst="rect">
+            <a:avLst/>
+          </a:prstGeom>
+          <a:solidFill>
+            <a:schemeClr val="bg1">
+              <a:lumMod val="85000"/>
+            </a:schemeClr>
+          </a:solidFill>
+          <a:ln>
+            <a:noFill/>
+          </a:ln>
+        </p:spPr>
+        <p:style>
+          <a:lnRef idx="2">
+            <a:schemeClr val="accent1">
+              <a:shade val="50000"/>
+            </a:schemeClr>
+          </a:lnRef>
+          <a:fillRef idx="1">
+            <a:schemeClr val="accent1"/>
+          </a:fillRef>
+          <a:effectRef idx="0">
+            <a:schemeClr val="accent1"/>
+          </a:effectRef>
+          <a:fontRef idx="minor">
+            <a:schemeClr val="lt1"/>
+          </a:fontRef>
+        </p:style>
+        <p:txBody>
+          <a:bodyPr rtlCol="0" anchor="ctr"/>
+          <a:lstStyle/>
+          <a:p>
+            <a:pPr algn="ctr"/>
+            <a:endParaRPr lang="zh-CN" altLang="en-US"/>
+          </a:p>
+        </p:txBody>
+      </p:sp>
+      <p:sp>
+        <p:nvSpPr>
+          <p:cNvPr id="5" name="文本框 4"/>
+          <p:cNvSpPr txBox="1"/>
+          <p:nvPr/>
+        </p:nvSpPr>
+        <p:spPr>
+          <a:xfrm>
+            <a:off x="320090" y="226336"/>
+            <a:ext cx="8054366" cy="954107"/>
+          </a:xfrm>
+          <a:prstGeom prst="rect">
+            <a:avLst/>
+          </a:prstGeom>
+          <a:noFill/>
+        </p:spPr>
+        <p:txBody>
+          <a:bodyPr wrap="square" rtlCol="0">
+            <a:spAutoFit/>
+          </a:bodyPr>
+          <a:lstStyle/>
+          <a:p>
+            <a:r>
+              <a:rPr lang="zh-CN" altLang="en-US" sz="3200" b="1" dirty="0" smtClean="0">
+                <a:solidFill>
+                  <a:schemeClr val="accent2"/>
+                </a:solidFill>
+                <a:latin typeface="微软雅黑" panose="020B0503020204020204" pitchFamily="34" charset="-122"/>
+                <a:ea typeface="微软雅黑" panose="020B0503020204020204" pitchFamily="34" charset="-122"/>
+              </a:rPr>
+              <a:t>基于</a:t>
+            </a:r>
+            <a:r>
+              <a:rPr lang="en-US" altLang="zh-CN" sz="3200" b="1" dirty="0" err="1" smtClean="0">
+                <a:solidFill>
+                  <a:schemeClr val="accent2">
+                    <a:lumMod val="50000"/>
+                  </a:schemeClr>
+                </a:solidFill>
+                <a:latin typeface="微软雅黑" panose="020B0503020204020204" pitchFamily="34" charset="-122"/>
+                <a:ea typeface="微软雅黑" panose="020B0503020204020204" pitchFamily="34" charset="-122"/>
+              </a:rPr>
+              <a:t>SpeConv</a:t>
+            </a:r>
+            <a:r>
+              <a:rPr lang="zh-CN" altLang="en-US" sz="3200" b="1" dirty="0" smtClean="0">
+                <a:solidFill>
+                  <a:schemeClr val="accent2"/>
+                </a:solidFill>
+                <a:latin typeface="微软雅黑" panose="020B0503020204020204" pitchFamily="34" charset="-122"/>
+                <a:ea typeface="微软雅黑" panose="020B0503020204020204" pitchFamily="34" charset="-122"/>
+              </a:rPr>
+              <a:t>深度学习的视频补帧 插帧</a:t>
+            </a:r>
+            <a:endParaRPr lang="en-US" altLang="zh-CN" sz="3200" b="1" dirty="0" smtClean="0">
+              <a:solidFill>
+                <a:schemeClr val="accent2"/>
+              </a:solidFill>
+              <a:latin typeface="微软雅黑" panose="020B0503020204020204" pitchFamily="34" charset="-122"/>
+              <a:ea typeface="微软雅黑" panose="020B0503020204020204" pitchFamily="34" charset="-122"/>
+            </a:endParaRPr>
+          </a:p>
+          <a:p>
+            <a:r>
+              <a:rPr lang="zh-CN" altLang="en-US" sz="2400" b="1" dirty="0" smtClean="0">
+                <a:solidFill>
+                  <a:srgbClr val="FF0000"/>
+                </a:solidFill>
+                <a:latin typeface="微软雅黑" panose="020B0503020204020204" pitchFamily="34" charset="-122"/>
+                <a:ea typeface="微软雅黑" panose="020B0503020204020204" pitchFamily="34" charset="-122"/>
+              </a:rPr>
+              <a:t>论文</a:t>
+            </a:r>
+            <a:r>
+              <a:rPr lang="en-US" altLang="zh-CN" sz="2400" b="1" dirty="0" smtClean="0">
+                <a:solidFill>
+                  <a:srgbClr val="FF0000"/>
+                </a:solidFill>
+                <a:latin typeface="微软雅黑" panose="020B0503020204020204" pitchFamily="34" charset="-122"/>
+                <a:ea typeface="微软雅黑" panose="020B0503020204020204" pitchFamily="34" charset="-122"/>
+              </a:rPr>
+              <a:t>+</a:t>
+            </a:r>
+            <a:r>
+              <a:rPr lang="zh-CN" altLang="en-US" sz="2400" b="1" dirty="0" smtClean="0">
+                <a:solidFill>
+                  <a:srgbClr val="FF0000"/>
+                </a:solidFill>
+                <a:latin typeface="微软雅黑" panose="020B0503020204020204" pitchFamily="34" charset="-122"/>
+                <a:ea typeface="微软雅黑" panose="020B0503020204020204" pitchFamily="34" charset="-122"/>
+              </a:rPr>
+              <a:t>代码</a:t>
+            </a:r>
+            <a:r>
+              <a:rPr lang="en-US" altLang="zh-CN" sz="2400" b="1" dirty="0" smtClean="0">
+                <a:solidFill>
+                  <a:srgbClr val="FF0000"/>
+                </a:solidFill>
+                <a:latin typeface="微软雅黑" panose="020B0503020204020204" pitchFamily="34" charset="-122"/>
+                <a:ea typeface="微软雅黑" panose="020B0503020204020204" pitchFamily="34" charset="-122"/>
+              </a:rPr>
+              <a:t>+</a:t>
+            </a:r>
+            <a:r>
+              <a:rPr lang="zh-CN" altLang="en-US" sz="2400" b="1" dirty="0" smtClean="0">
+                <a:solidFill>
+                  <a:srgbClr val="FF0000"/>
+                </a:solidFill>
+                <a:latin typeface="微软雅黑" panose="020B0503020204020204" pitchFamily="34" charset="-122"/>
+                <a:ea typeface="微软雅黑" panose="020B0503020204020204" pitchFamily="34" charset="-122"/>
+              </a:rPr>
+              <a:t>实践</a:t>
+            </a:r>
+            <a:endParaRPr lang="zh-CN" altLang="en-US" sz="2400" b="1" dirty="0">
+              <a:solidFill>
+                <a:srgbClr val="FF0000"/>
+              </a:solidFill>
+              <a:latin typeface="微软雅黑" panose="020B0503020204020204" pitchFamily="34" charset="-122"/>
+              <a:ea typeface="微软雅黑" panose="020B0503020204020204" pitchFamily="34" charset="-122"/>
+            </a:endParaRPr>
+          </a:p>
+        </p:txBody>
+      </p:sp>
+      <p:pic>
+        <p:nvPicPr>
+          <p:cNvPr id="6" name="图片 5"/>
+          <p:cNvPicPr>
+            <a:picLocks noChangeAspect="1"/>
+          </p:cNvPicPr>
+          <p:nvPr/>
+        </p:nvPicPr>
+        <p:blipFill>
+          <a:blip r:embed="rId2">
+            <a:extLst>
+              <a:ext uri="{28A0092B-C50C-407E-A947-70E740481C1C}">
+                <a14:useLocalDpi xmlns:a14="http://schemas.microsoft.com/office/drawing/2010/main" val="0"/>
+              </a:ext>
+            </a:extLst>
+          </a:blip>
+          <a:stretch>
+            <a:fillRect/>
+          </a:stretch>
+        </p:blipFill>
+        <p:spPr>
+          <a:xfrm>
+            <a:off x="5486010" y="144855"/>
+            <a:ext cx="5957961" cy="6384982"/>
+          </a:xfrm>
+          <a:prstGeom prst="rect">
+            <a:avLst/>
+          </a:prstGeom>
+        </p:spPr>
+      </p:pic>
+    </p:spTree>
+    <p:extLst>
+      <p:ext uri="{BB962C8B-B14F-4D97-AF65-F5344CB8AC3E}">
+        <p14:creationId xmlns:p14="http://schemas.microsoft.com/office/powerpoint/2010/main" val="686746719"/>
+      </p:ext>
+    </p:extLst>
+  </p:cSld>
+  <p:clrMapOvr>
+    <a:masterClrMapping/>
+  </p:clrMapOvr>
+</p:sld>
+</file>
+
+<file path=ppt/slides/slide7.xml><?xml version="1.0" encoding="utf-8"?>
+<p:sld xmlns:a="http://schemas.openxmlformats.org/drawingml/2006/main" xmlns:r="http://schemas.openxmlformats.org/officeDocument/2006/relationships" xmlns:p="http://schemas.openxmlformats.org/presentationml/2006/main">
+  <p:cSld>
+    <p:spTree>
+      <p:nvGrpSpPr>
+        <p:cNvPr id="1" name=""/>
+        <p:cNvGrpSpPr/>
+        <p:nvPr/>
+      </p:nvGrpSpPr>
+      <p:grpSpPr>
+        <a:xfrm>
+          <a:off x="0" y="0"/>
+          <a:ext cx="0" cy="0"/>
+          <a:chOff x="0" y="0"/>
+          <a:chExt cx="0" cy="0"/>
+        </a:xfrm>
+      </p:grpSpPr>
+      <p:pic>
+        <p:nvPicPr>
+          <p:cNvPr id="4" name="图片 3"/>
+          <p:cNvPicPr>
+            <a:picLocks noChangeAspect="1"/>
+          </p:cNvPicPr>
+          <p:nvPr/>
+        </p:nvPicPr>
+        <p:blipFill>
+          <a:blip r:embed="rId2">
+            <a:extLst>
+              <a:ext uri="{28A0092B-C50C-407E-A947-70E740481C1C}">
+                <a14:useLocalDpi xmlns:a14="http://schemas.microsoft.com/office/drawing/2010/main" val="0"/>
+              </a:ext>
+            </a:extLst>
+          </a:blip>
+          <a:stretch>
+            <a:fillRect/>
+          </a:stretch>
+        </p:blipFill>
+        <p:spPr>
+          <a:xfrm>
+            <a:off x="1590910" y="533778"/>
+            <a:ext cx="8086725" cy="1752600"/>
+          </a:xfrm>
+          <a:prstGeom prst="rect">
+            <a:avLst/>
+          </a:prstGeom>
+        </p:spPr>
+      </p:pic>
+      <p:pic>
+        <p:nvPicPr>
+          <p:cNvPr id="5" name="图片 4"/>
+          <p:cNvPicPr>
+            <a:picLocks noChangeAspect="1"/>
+          </p:cNvPicPr>
+          <p:nvPr/>
+        </p:nvPicPr>
+        <p:blipFill>
+          <a:blip r:embed="rId3">
+            <a:extLst>
+              <a:ext uri="{28A0092B-C50C-407E-A947-70E740481C1C}">
+                <a14:useLocalDpi xmlns:a14="http://schemas.microsoft.com/office/drawing/2010/main" val="0"/>
+              </a:ext>
+            </a:extLst>
+          </a:blip>
+          <a:stretch>
+            <a:fillRect/>
+          </a:stretch>
+        </p:blipFill>
+        <p:spPr>
+          <a:xfrm>
+            <a:off x="1590910" y="3448001"/>
+            <a:ext cx="7696200" cy="866775"/>
+          </a:xfrm>
+          <a:prstGeom prst="rect">
+            <a:avLst/>
+          </a:prstGeom>
+        </p:spPr>
+      </p:pic>
+      <p:sp>
+        <p:nvSpPr>
+          <p:cNvPr id="6" name="文本框 5"/>
+          <p:cNvSpPr txBox="1"/>
+          <p:nvPr/>
+        </p:nvSpPr>
+        <p:spPr>
+          <a:xfrm>
+            <a:off x="1590910" y="2544024"/>
+            <a:ext cx="5325938" cy="646331"/>
+          </a:xfrm>
+          <a:prstGeom prst="rect">
+            <a:avLst/>
+          </a:prstGeom>
+          <a:noFill/>
+        </p:spPr>
+        <p:txBody>
+          <a:bodyPr wrap="square" rtlCol="0">
+            <a:spAutoFit/>
+          </a:bodyPr>
+          <a:lstStyle/>
+          <a:p>
+            <a:r>
+              <a:rPr lang="en-US" altLang="zh-CN" dirty="0" smtClean="0"/>
+              <a:t>(Pip install </a:t>
+            </a:r>
+            <a:r>
+              <a:rPr lang="en-US" altLang="zh-CN" dirty="0" err="1" smtClean="0"/>
+              <a:t>cffi</a:t>
+            </a:r>
+            <a:r>
+              <a:rPr lang="en-US" altLang="zh-CN" dirty="0" smtClean="0"/>
+              <a:t>)</a:t>
+            </a:r>
+            <a:endParaRPr lang="en-US" altLang="zh-CN" dirty="0"/>
+          </a:p>
+          <a:p>
+            <a:r>
+              <a:rPr lang="en-US" altLang="zh-CN" dirty="0" smtClean="0"/>
+              <a:t>Pip install </a:t>
+            </a:r>
+            <a:r>
+              <a:rPr lang="en-US" altLang="zh-CN" dirty="0" err="1" smtClean="0"/>
+              <a:t>moviepy</a:t>
+            </a:r>
+            <a:endParaRPr lang="zh-CN" altLang="en-US" dirty="0"/>
+          </a:p>
+        </p:txBody>
+      </p:sp>
+      <p:pic>
+        <p:nvPicPr>
+          <p:cNvPr id="7" name="图片 6"/>
+          <p:cNvPicPr>
+            <a:picLocks noChangeAspect="1"/>
+          </p:cNvPicPr>
+          <p:nvPr/>
+        </p:nvPicPr>
+        <p:blipFill>
+          <a:blip r:embed="rId4">
+            <a:extLst>
+              <a:ext uri="{28A0092B-C50C-407E-A947-70E740481C1C}">
+                <a14:useLocalDpi xmlns:a14="http://schemas.microsoft.com/office/drawing/2010/main" val="0"/>
+              </a:ext>
+            </a:extLst>
+          </a:blip>
+          <a:stretch>
+            <a:fillRect/>
+          </a:stretch>
+        </p:blipFill>
+        <p:spPr>
+          <a:xfrm>
+            <a:off x="1590910" y="4915087"/>
+            <a:ext cx="5638800" cy="1485900"/>
+          </a:xfrm>
+          <a:prstGeom prst="rect">
+            <a:avLst/>
+          </a:prstGeom>
+        </p:spPr>
+      </p:pic>
+      <p:sp>
+        <p:nvSpPr>
+          <p:cNvPr id="8" name="文本框 7"/>
+          <p:cNvSpPr txBox="1"/>
+          <p:nvPr/>
+        </p:nvSpPr>
+        <p:spPr>
+          <a:xfrm>
+            <a:off x="280657" y="3612333"/>
+            <a:ext cx="1310253" cy="646331"/>
+          </a:xfrm>
+          <a:prstGeom prst="rect">
+            <a:avLst/>
+          </a:prstGeom>
+          <a:noFill/>
+        </p:spPr>
+        <p:txBody>
+          <a:bodyPr wrap="square" rtlCol="0">
+            <a:spAutoFit/>
+          </a:bodyPr>
+          <a:lstStyle/>
+          <a:p>
+            <a:r>
+              <a:rPr lang="zh-CN" altLang="en-US" dirty="0" smtClean="0"/>
+              <a:t>开始生成</a:t>
+            </a:r>
+            <a:endParaRPr lang="en-US" altLang="zh-CN" dirty="0" smtClean="0"/>
+          </a:p>
+          <a:p>
+            <a:r>
+              <a:rPr lang="zh-CN" altLang="en-US" dirty="0" smtClean="0"/>
+              <a:t>中间帧：</a:t>
+            </a:r>
+            <a:endParaRPr lang="zh-CN" altLang="en-US" dirty="0"/>
+          </a:p>
+        </p:txBody>
+      </p:sp>
+      <p:sp>
+        <p:nvSpPr>
+          <p:cNvPr id="9" name="文本框 8"/>
+          <p:cNvSpPr txBox="1"/>
+          <p:nvPr/>
+        </p:nvSpPr>
+        <p:spPr>
+          <a:xfrm>
+            <a:off x="280657" y="5232903"/>
+            <a:ext cx="1113577" cy="369332"/>
+          </a:xfrm>
+          <a:prstGeom prst="rect">
+            <a:avLst/>
+          </a:prstGeom>
+          <a:noFill/>
+        </p:spPr>
+        <p:txBody>
+          <a:bodyPr wrap="square" rtlCol="0">
+            <a:spAutoFit/>
+          </a:bodyPr>
+          <a:lstStyle/>
+          <a:p>
+            <a:r>
+              <a:rPr lang="zh-CN" altLang="en-US" dirty="0" smtClean="0"/>
+              <a:t>音轨合成：</a:t>
+            </a:r>
+            <a:endParaRPr lang="zh-CN" altLang="en-US" dirty="0"/>
+          </a:p>
+        </p:txBody>
+      </p:sp>
+    </p:spTree>
+    <p:extLst>
+      <p:ext uri="{BB962C8B-B14F-4D97-AF65-F5344CB8AC3E}">
+        <p14:creationId xmlns:p14="http://schemas.microsoft.com/office/powerpoint/2010/main" val="2464721961"/>
+      </p:ext>
+    </p:extLst>
+  </p:cSld>
+  <p:clrMapOvr>
+    <a:masterClrMapping/>
+  </p:clrMapOvr>
+</p:sld>
+</file>
+
 <file path=ppt/theme/theme1.xml><?xml version="1.0" encoding="utf-8"?>
 <a:theme xmlns:a="http://schemas.openxmlformats.org/drawingml/2006/main" name="Office 主题">
   <a:themeElements>

--- a/AdaConv.pptx
+++ b/AdaConv.pptx
@@ -249,7 +249,7 @@
           <a:p>
             <a:fld id="{7CD97ED3-60F4-46B6-9CFF-260A48CB2AFD}" type="datetimeFigureOut">
               <a:rPr lang="zh-CN" altLang="en-US" smtClean="0"/>
-              <a:t>2018-08-09</a:t>
+              <a:t>2018-08-11</a:t>
             </a:fld>
             <a:endParaRPr lang="zh-CN" altLang="en-US"/>
           </a:p>
@@ -419,7 +419,7 @@
           <a:p>
             <a:fld id="{7CD97ED3-60F4-46B6-9CFF-260A48CB2AFD}" type="datetimeFigureOut">
               <a:rPr lang="zh-CN" altLang="en-US" smtClean="0"/>
-              <a:t>2018-08-09</a:t>
+              <a:t>2018-08-11</a:t>
             </a:fld>
             <a:endParaRPr lang="zh-CN" altLang="en-US"/>
           </a:p>
@@ -599,7 +599,7 @@
           <a:p>
             <a:fld id="{7CD97ED3-60F4-46B6-9CFF-260A48CB2AFD}" type="datetimeFigureOut">
               <a:rPr lang="zh-CN" altLang="en-US" smtClean="0"/>
-              <a:t>2018-08-09</a:t>
+              <a:t>2018-08-11</a:t>
             </a:fld>
             <a:endParaRPr lang="zh-CN" altLang="en-US"/>
           </a:p>
@@ -769,7 +769,7 @@
           <a:p>
             <a:fld id="{7CD97ED3-60F4-46B6-9CFF-260A48CB2AFD}" type="datetimeFigureOut">
               <a:rPr lang="zh-CN" altLang="en-US" smtClean="0"/>
-              <a:t>2018-08-09</a:t>
+              <a:t>2018-08-11</a:t>
             </a:fld>
             <a:endParaRPr lang="zh-CN" altLang="en-US"/>
           </a:p>
@@ -1015,7 +1015,7 @@
           <a:p>
             <a:fld id="{7CD97ED3-60F4-46B6-9CFF-260A48CB2AFD}" type="datetimeFigureOut">
               <a:rPr lang="zh-CN" altLang="en-US" smtClean="0"/>
-              <a:t>2018-08-09</a:t>
+              <a:t>2018-08-11</a:t>
             </a:fld>
             <a:endParaRPr lang="zh-CN" altLang="en-US"/>
           </a:p>
@@ -1247,7 +1247,7 @@
           <a:p>
             <a:fld id="{7CD97ED3-60F4-46B6-9CFF-260A48CB2AFD}" type="datetimeFigureOut">
               <a:rPr lang="zh-CN" altLang="en-US" smtClean="0"/>
-              <a:t>2018-08-09</a:t>
+              <a:t>2018-08-11</a:t>
             </a:fld>
             <a:endParaRPr lang="zh-CN" altLang="en-US"/>
           </a:p>
@@ -1614,7 +1614,7 @@
           <a:p>
             <a:fld id="{7CD97ED3-60F4-46B6-9CFF-260A48CB2AFD}" type="datetimeFigureOut">
               <a:rPr lang="zh-CN" altLang="en-US" smtClean="0"/>
-              <a:t>2018-08-09</a:t>
+              <a:t>2018-08-11</a:t>
             </a:fld>
             <a:endParaRPr lang="zh-CN" altLang="en-US"/>
           </a:p>
@@ -1732,7 +1732,7 @@
           <a:p>
             <a:fld id="{7CD97ED3-60F4-46B6-9CFF-260A48CB2AFD}" type="datetimeFigureOut">
               <a:rPr lang="zh-CN" altLang="en-US" smtClean="0"/>
-              <a:t>2018-08-09</a:t>
+              <a:t>2018-08-11</a:t>
             </a:fld>
             <a:endParaRPr lang="zh-CN" altLang="en-US"/>
           </a:p>
@@ -1827,7 +1827,7 @@
           <a:p>
             <a:fld id="{7CD97ED3-60F4-46B6-9CFF-260A48CB2AFD}" type="datetimeFigureOut">
               <a:rPr lang="zh-CN" altLang="en-US" smtClean="0"/>
-              <a:t>2018-08-09</a:t>
+              <a:t>2018-08-11</a:t>
             </a:fld>
             <a:endParaRPr lang="zh-CN" altLang="en-US"/>
           </a:p>
@@ -2104,7 +2104,7 @@
           <a:p>
             <a:fld id="{7CD97ED3-60F4-46B6-9CFF-260A48CB2AFD}" type="datetimeFigureOut">
               <a:rPr lang="zh-CN" altLang="en-US" smtClean="0"/>
-              <a:t>2018-08-09</a:t>
+              <a:t>2018-08-11</a:t>
             </a:fld>
             <a:endParaRPr lang="zh-CN" altLang="en-US"/>
           </a:p>
@@ -2357,7 +2357,7 @@
           <a:p>
             <a:fld id="{7CD97ED3-60F4-46B6-9CFF-260A48CB2AFD}" type="datetimeFigureOut">
               <a:rPr lang="zh-CN" altLang="en-US" smtClean="0"/>
-              <a:t>2018-08-09</a:t>
+              <a:t>2018-08-11</a:t>
             </a:fld>
             <a:endParaRPr lang="zh-CN" altLang="en-US"/>
           </a:p>
@@ -2570,7 +2570,7 @@
           <a:p>
             <a:fld id="{7CD97ED3-60F4-46B6-9CFF-260A48CB2AFD}" type="datetimeFigureOut">
               <a:rPr lang="zh-CN" altLang="en-US" smtClean="0"/>
-              <a:t>2018-08-09</a:t>
+              <a:t>2018-08-11</a:t>
             </a:fld>
             <a:endParaRPr lang="zh-CN" altLang="en-US"/>
           </a:p>
@@ -4125,6 +4125,13 @@
   <p:clrMapOvr>
     <a:masterClrMapping/>
   </p:clrMapOvr>
+  <p:timing>
+    <p:tnLst>
+      <p:par>
+        <p:cTn id="1" dur="indefinite" restart="never" nodeType="tmRoot"/>
+      </p:par>
+    </p:tnLst>
+  </p:timing>
 </p:sld>
 </file>
 
@@ -4373,6 +4380,13 @@
   <p:clrMapOvr>
     <a:masterClrMapping/>
   </p:clrMapOvr>
+  <p:timing>
+    <p:tnLst>
+      <p:par>
+        <p:cTn id="1" dur="indefinite" restart="never" nodeType="tmRoot"/>
+      </p:par>
+    </p:tnLst>
+  </p:timing>
 </p:sld>
 </file>
 
@@ -4880,6 +4894,13 @@
   <p:clrMapOvr>
     <a:masterClrMapping/>
   </p:clrMapOvr>
+  <p:timing>
+    <p:tnLst>
+      <p:par>
+        <p:cTn id="1" dur="indefinite" restart="never" nodeType="tmRoot"/>
+      </p:par>
+    </p:tnLst>
+  </p:timing>
 </p:sld>
 </file>
 
@@ -5111,6 +5132,13 @@
   <p:clrMapOvr>
     <a:masterClrMapping/>
   </p:clrMapOvr>
+  <p:timing>
+    <p:tnLst>
+      <p:par>
+        <p:cTn id="1" dur="indefinite" restart="never" nodeType="tmRoot"/>
+      </p:par>
+    </p:tnLst>
+  </p:timing>
 </p:sld>
 </file>
 
@@ -5337,6 +5365,44 @@
           </a:p>
         </p:txBody>
       </p:sp>
+      <p:sp>
+        <p:nvSpPr>
+          <p:cNvPr id="2" name="文本框 1"/>
+          <p:cNvSpPr txBox="1"/>
+          <p:nvPr/>
+        </p:nvSpPr>
+        <p:spPr>
+          <a:xfrm>
+            <a:off x="1590910" y="3051018"/>
+            <a:ext cx="3551458" cy="369332"/>
+          </a:xfrm>
+          <a:prstGeom prst="rect">
+            <a:avLst/>
+          </a:prstGeom>
+          <a:noFill/>
+        </p:spPr>
+        <p:txBody>
+          <a:bodyPr wrap="square" rtlCol="0">
+            <a:spAutoFit/>
+          </a:bodyPr>
+          <a:lstStyle/>
+          <a:p>
+            <a:r>
+              <a:rPr lang="en-US" altLang="zh-CN" dirty="0"/>
+              <a:t>b</a:t>
+            </a:r>
+            <a:r>
+              <a:rPr lang="en-US" altLang="zh-CN" dirty="0" smtClean="0"/>
+              <a:t>ash </a:t>
+            </a:r>
+            <a:r>
+              <a:rPr lang="en-US" altLang="zh-CN" dirty="0" err="1" smtClean="0"/>
+              <a:t>install.bash</a:t>
+            </a:r>
+            <a:endParaRPr lang="zh-CN" altLang="en-US" dirty="0"/>
+          </a:p>
+        </p:txBody>
+      </p:sp>
     </p:spTree>
     <p:extLst>
       <p:ext uri="{BB962C8B-B14F-4D97-AF65-F5344CB8AC3E}">
@@ -5347,6 +5413,13 @@
   <p:clrMapOvr>
     <a:masterClrMapping/>
   </p:clrMapOvr>
+  <p:timing>
+    <p:tnLst>
+      <p:par>
+        <p:cTn id="1" dur="indefinite" restart="never" nodeType="tmRoot"/>
+      </p:par>
+    </p:tnLst>
+  </p:timing>
 </p:sld>
 </file>
 
